--- a/DesignPatternsHU/DesignPatterns.pptx
+++ b/DesignPatternsHU/DesignPatterns.pptx
@@ -113,6 +113,11 @@
       </a:defRPr>
     </a:lvl9pPr>
   </p:defaultTextStyle>
+  <p:extLst>
+    <p:ext uri="{EFAFB233-063F-42B5-8137-9DF3F51BA10A}">
+      <p15:sldGuideLst xmlns:p15="http://schemas.microsoft.com/office/powerpoint/2012/main"/>
+    </p:ext>
+  </p:extLst>
 </p:presentation>
 </file>
 

--- a/DesignPatternsHU/DesignPatterns.pptx
+++ b/DesignPatternsHU/DesignPatterns.pptx
@@ -270,7 +270,7 @@
           <a:p>
             <a:fld id="{E7DA3A0F-E206-4510-8E40-CD2F0502ADE9}" type="datetimeFigureOut">
               <a:rPr lang="hu-HU" smtClean="0"/>
-              <a:t>2022. 02. 10.</a:t>
+              <a:t>2022. 02. 14.</a:t>
             </a:fld>
             <a:endParaRPr lang="hu-HU"/>
           </a:p>
@@ -470,7 +470,7 @@
           <a:p>
             <a:fld id="{E7DA3A0F-E206-4510-8E40-CD2F0502ADE9}" type="datetimeFigureOut">
               <a:rPr lang="hu-HU" smtClean="0"/>
-              <a:t>2022. 02. 10.</a:t>
+              <a:t>2022. 02. 14.</a:t>
             </a:fld>
             <a:endParaRPr lang="hu-HU"/>
           </a:p>
@@ -680,7 +680,7 @@
           <a:p>
             <a:fld id="{E7DA3A0F-E206-4510-8E40-CD2F0502ADE9}" type="datetimeFigureOut">
               <a:rPr lang="hu-HU" smtClean="0"/>
-              <a:t>2022. 02. 10.</a:t>
+              <a:t>2022. 02. 14.</a:t>
             </a:fld>
             <a:endParaRPr lang="hu-HU"/>
           </a:p>
@@ -880,7 +880,7 @@
           <a:p>
             <a:fld id="{E7DA3A0F-E206-4510-8E40-CD2F0502ADE9}" type="datetimeFigureOut">
               <a:rPr lang="hu-HU" smtClean="0"/>
-              <a:t>2022. 02. 10.</a:t>
+              <a:t>2022. 02. 14.</a:t>
             </a:fld>
             <a:endParaRPr lang="hu-HU"/>
           </a:p>
@@ -1156,7 +1156,7 @@
           <a:p>
             <a:fld id="{E7DA3A0F-E206-4510-8E40-CD2F0502ADE9}" type="datetimeFigureOut">
               <a:rPr lang="hu-HU" smtClean="0"/>
-              <a:t>2022. 02. 10.</a:t>
+              <a:t>2022. 02. 14.</a:t>
             </a:fld>
             <a:endParaRPr lang="hu-HU"/>
           </a:p>
@@ -1424,7 +1424,7 @@
           <a:p>
             <a:fld id="{E7DA3A0F-E206-4510-8E40-CD2F0502ADE9}" type="datetimeFigureOut">
               <a:rPr lang="hu-HU" smtClean="0"/>
-              <a:t>2022. 02. 10.</a:t>
+              <a:t>2022. 02. 14.</a:t>
             </a:fld>
             <a:endParaRPr lang="hu-HU"/>
           </a:p>
@@ -1839,7 +1839,7 @@
           <a:p>
             <a:fld id="{E7DA3A0F-E206-4510-8E40-CD2F0502ADE9}" type="datetimeFigureOut">
               <a:rPr lang="hu-HU" smtClean="0"/>
-              <a:t>2022. 02. 10.</a:t>
+              <a:t>2022. 02. 14.</a:t>
             </a:fld>
             <a:endParaRPr lang="hu-HU"/>
           </a:p>
@@ -1981,7 +1981,7 @@
           <a:p>
             <a:fld id="{E7DA3A0F-E206-4510-8E40-CD2F0502ADE9}" type="datetimeFigureOut">
               <a:rPr lang="hu-HU" smtClean="0"/>
-              <a:t>2022. 02. 10.</a:t>
+              <a:t>2022. 02. 14.</a:t>
             </a:fld>
             <a:endParaRPr lang="hu-HU"/>
           </a:p>
@@ -2094,7 +2094,7 @@
           <a:p>
             <a:fld id="{E7DA3A0F-E206-4510-8E40-CD2F0502ADE9}" type="datetimeFigureOut">
               <a:rPr lang="hu-HU" smtClean="0"/>
-              <a:t>2022. 02. 10.</a:t>
+              <a:t>2022. 02. 14.</a:t>
             </a:fld>
             <a:endParaRPr lang="hu-HU"/>
           </a:p>
@@ -2407,7 +2407,7 @@
           <a:p>
             <a:fld id="{E7DA3A0F-E206-4510-8E40-CD2F0502ADE9}" type="datetimeFigureOut">
               <a:rPr lang="hu-HU" smtClean="0"/>
-              <a:t>2022. 02. 10.</a:t>
+              <a:t>2022. 02. 14.</a:t>
             </a:fld>
             <a:endParaRPr lang="hu-HU"/>
           </a:p>
@@ -2696,7 +2696,7 @@
           <a:p>
             <a:fld id="{E7DA3A0F-E206-4510-8E40-CD2F0502ADE9}" type="datetimeFigureOut">
               <a:rPr lang="hu-HU" smtClean="0"/>
-              <a:t>2022. 02. 10.</a:t>
+              <a:t>2022. 02. 14.</a:t>
             </a:fld>
             <a:endParaRPr lang="hu-HU"/>
           </a:p>
@@ -2939,7 +2939,7 @@
           <a:p>
             <a:fld id="{E7DA3A0F-E206-4510-8E40-CD2F0502ADE9}" type="datetimeFigureOut">
               <a:rPr lang="hu-HU" smtClean="0"/>
-              <a:t>2022. 02. 10.</a:t>
+              <a:t>2022. 02. 14.</a:t>
             </a:fld>
             <a:endParaRPr lang="hu-HU"/>
           </a:p>
@@ -3505,75 +3505,279 @@
         <p:spPr/>
         <p:txBody>
           <a:bodyPr>
-            <a:normAutofit fontScale="85000" lnSpcReduction="20000"/>
+            <a:normAutofit fontScale="77500" lnSpcReduction="20000"/>
           </a:bodyPr>
           <a:lstStyle/>
           <a:p>
             <a:r>
               <a:rPr lang="en-US" dirty="0"/>
-              <a:t>Chain of responsibility</a:t>
-            </a:r>
+              <a:t>Chain of responsibility: </a:t>
+            </a:r>
+            <a:r>
+              <a:rPr lang="hu-HU" b="0" i="0" dirty="0">
+                <a:solidFill>
+                  <a:srgbClr val="252525"/>
+                </a:solidFill>
+                <a:effectLst/>
+                <a:latin typeface="Roboto" panose="02000000000000000000" pitchFamily="2" charset="0"/>
+              </a:rPr>
+              <a:t>Egy kérés továbbításának módja objektumok lánca között</a:t>
+            </a:r>
+            <a:endParaRPr lang="en-US" dirty="0"/>
           </a:p>
           <a:p>
             <a:r>
               <a:rPr lang="en-US" dirty="0"/>
-              <a:t>Command</a:t>
-            </a:r>
+              <a:t>Command: </a:t>
+            </a:r>
+            <a:r>
+              <a:rPr lang="hu-HU" b="0" i="0" dirty="0">
+                <a:solidFill>
+                  <a:srgbClr val="252525"/>
+                </a:solidFill>
+                <a:effectLst/>
+                <a:latin typeface="Roboto" panose="02000000000000000000" pitchFamily="2" charset="0"/>
+              </a:rPr>
+              <a:t>A parancskérést objektumként kell beágyazni</a:t>
+            </a:r>
+            <a:endParaRPr lang="en-US" dirty="0"/>
           </a:p>
           <a:p>
             <a:r>
               <a:rPr lang="en-US" dirty="0"/>
-              <a:t>Interpreter</a:t>
-            </a:r>
+              <a:t>Interpreter: </a:t>
+            </a:r>
+            <a:r>
+              <a:rPr lang="hu-HU" b="0" i="0" dirty="0">
+                <a:solidFill>
+                  <a:srgbClr val="252525"/>
+                </a:solidFill>
+                <a:effectLst/>
+                <a:latin typeface="Roboto" panose="02000000000000000000" pitchFamily="2" charset="0"/>
+              </a:rPr>
+              <a:t>A nyelvi elemek programba való beillesztésének módja</a:t>
+            </a:r>
+            <a:endParaRPr lang="en-US" dirty="0"/>
           </a:p>
           <a:p>
             <a:r>
               <a:rPr lang="en-US" dirty="0"/>
-              <a:t>Iterator</a:t>
-            </a:r>
-          </a:p>
-          <a:p>
+              <a:t>Iterator: A </a:t>
+            </a:r>
+            <a:r>
+              <a:rPr lang="en-US" dirty="0" err="1"/>
+              <a:t>listaelemek</a:t>
+            </a:r>
             <a:r>
               <a:rPr lang="en-US" dirty="0"/>
-              <a:t>Mediator</a:t>
-            </a:r>
-          </a:p>
-          <a:p>
+              <a:t> </a:t>
+            </a:r>
+            <a:r>
+              <a:rPr lang="en-US" dirty="0" err="1"/>
+              <a:t>egymás</a:t>
+            </a:r>
             <a:r>
               <a:rPr lang="en-US" dirty="0"/>
-              <a:t>Memento</a:t>
-            </a:r>
-          </a:p>
-          <a:p>
+              <a:t> </a:t>
+            </a:r>
+            <a:r>
+              <a:rPr lang="en-US" dirty="0" err="1"/>
+              <a:t>utáni</a:t>
+            </a:r>
             <a:r>
               <a:rPr lang="en-US" dirty="0"/>
-              <a:t>Observer</a:t>
-            </a:r>
+              <a:t> </a:t>
+            </a:r>
+            <a:r>
+              <a:rPr lang="en-US" dirty="0" err="1"/>
+              <a:t>elérése</a:t>
+            </a:r>
+            <a:endParaRPr lang="en-US" dirty="0"/>
           </a:p>
           <a:p>
             <a:r>
               <a:rPr lang="en-US" dirty="0"/>
-              <a:t>State</a:t>
-            </a:r>
+              <a:t>Mediator: </a:t>
+            </a:r>
+            <a:r>
+              <a:rPr lang="hu-HU" b="0" i="0" dirty="0">
+                <a:solidFill>
+                  <a:srgbClr val="252525"/>
+                </a:solidFill>
+                <a:effectLst/>
+                <a:latin typeface="Roboto" panose="02000000000000000000" pitchFamily="2" charset="0"/>
+              </a:rPr>
+              <a:t>Az osztályok közötti egyszerűsített kommunikációt határozza meg</a:t>
+            </a:r>
+            <a:endParaRPr lang="en-US" dirty="0"/>
           </a:p>
           <a:p>
             <a:r>
               <a:rPr lang="en-US" dirty="0"/>
-              <a:t>Strategy</a:t>
-            </a:r>
+              <a:t>Memento: </a:t>
+            </a:r>
+            <a:r>
+              <a:rPr lang="hu-HU" b="0" i="0" dirty="0">
+                <a:solidFill>
+                  <a:srgbClr val="252525"/>
+                </a:solidFill>
+                <a:effectLst/>
+                <a:latin typeface="Roboto" panose="02000000000000000000" pitchFamily="2" charset="0"/>
+              </a:rPr>
+              <a:t>Egy objektum belső állapotának rögzítése és visszaállítása</a:t>
+            </a:r>
+            <a:endParaRPr lang="en-US" dirty="0"/>
           </a:p>
           <a:p>
             <a:r>
               <a:rPr lang="en-US" dirty="0"/>
-              <a:t>Template Method</a:t>
-            </a:r>
-          </a:p>
-          <a:p>
-            <a:r>
-              <a:rPr lang="en-US"/>
-              <a:t>Visitor</a:t>
-            </a:r>
-            <a:endParaRPr lang="hu-HU"/>
+              <a:t>Observer: </a:t>
+            </a:r>
+            <a:r>
+              <a:rPr lang="hu-HU" b="0" i="0" dirty="0">
+                <a:solidFill>
+                  <a:srgbClr val="252525"/>
+                </a:solidFill>
+                <a:effectLst/>
+                <a:latin typeface="Roboto" panose="02000000000000000000" pitchFamily="2" charset="0"/>
+              </a:rPr>
+              <a:t>Egy módja annak, hogy értesítést kapjon számos osztály változásáról</a:t>
+            </a:r>
+            <a:endParaRPr lang="en-US" dirty="0"/>
+          </a:p>
+          <a:p>
+            <a:r>
+              <a:rPr lang="en-US" dirty="0"/>
+              <a:t>State: Ha </a:t>
+            </a:r>
+            <a:r>
+              <a:rPr lang="en-US" dirty="0" err="1"/>
+              <a:t>az</a:t>
+            </a:r>
+            <a:r>
+              <a:rPr lang="en-US" dirty="0"/>
+              <a:t> </a:t>
+            </a:r>
+            <a:r>
+              <a:rPr lang="en-US" dirty="0" err="1"/>
+              <a:t>objektum</a:t>
+            </a:r>
+            <a:r>
+              <a:rPr lang="en-US" dirty="0"/>
+              <a:t> </a:t>
+            </a:r>
+            <a:r>
+              <a:rPr lang="en-US" dirty="0" err="1"/>
+              <a:t>állapota</a:t>
+            </a:r>
+            <a:r>
+              <a:rPr lang="en-US" dirty="0"/>
+              <a:t> </a:t>
+            </a:r>
+            <a:r>
+              <a:rPr lang="en-US" dirty="0" err="1"/>
+              <a:t>válltozik</a:t>
+            </a:r>
+            <a:r>
+              <a:rPr lang="en-US" dirty="0"/>
+              <a:t> </a:t>
+            </a:r>
+            <a:r>
+              <a:rPr lang="en-US" dirty="0" err="1"/>
+              <a:t>válltozik</a:t>
+            </a:r>
+            <a:r>
+              <a:rPr lang="en-US" dirty="0"/>
+              <a:t> a </a:t>
+            </a:r>
+            <a:r>
+              <a:rPr lang="en-US" dirty="0" err="1"/>
+              <a:t>viselkedése</a:t>
+            </a:r>
+            <a:r>
+              <a:rPr lang="en-US" dirty="0"/>
+              <a:t> is</a:t>
+            </a:r>
+          </a:p>
+          <a:p>
+            <a:r>
+              <a:rPr lang="en-US" dirty="0"/>
+              <a:t>Strategy: </a:t>
+            </a:r>
+            <a:r>
+              <a:rPr lang="hu-HU" b="0" i="0" dirty="0">
+                <a:solidFill>
+                  <a:srgbClr val="252525"/>
+                </a:solidFill>
+                <a:effectLst/>
+                <a:latin typeface="Roboto" panose="02000000000000000000" pitchFamily="2" charset="0"/>
+              </a:rPr>
+              <a:t>Egy osztályba ágyaz egy algoritmust</a:t>
+            </a:r>
+            <a:endParaRPr lang="en-US" dirty="0"/>
+          </a:p>
+          <a:p>
+            <a:r>
+              <a:rPr lang="en-US" dirty="0"/>
+              <a:t>Template Method: </a:t>
+            </a:r>
+            <a:r>
+              <a:rPr lang="en-US" dirty="0" err="1"/>
+              <a:t>Egy</a:t>
+            </a:r>
+            <a:r>
+              <a:rPr lang="en-US" dirty="0"/>
+              <a:t> </a:t>
+            </a:r>
+            <a:r>
+              <a:rPr lang="en-US" dirty="0" err="1"/>
+              <a:t>algoritmus</a:t>
+            </a:r>
+            <a:r>
+              <a:rPr lang="en-US" dirty="0"/>
+              <a:t> </a:t>
+            </a:r>
+            <a:r>
+              <a:rPr lang="en-US" dirty="0" err="1"/>
+              <a:t>pontos</a:t>
+            </a:r>
+            <a:r>
+              <a:rPr lang="en-US" dirty="0"/>
+              <a:t> </a:t>
+            </a:r>
+            <a:r>
+              <a:rPr lang="en-US" dirty="0" err="1"/>
+              <a:t>lépéseit</a:t>
+            </a:r>
+            <a:r>
+              <a:rPr lang="en-US" dirty="0"/>
+              <a:t> </a:t>
+            </a:r>
+            <a:r>
+              <a:rPr lang="en-US" dirty="0" err="1"/>
+              <a:t>határozza</a:t>
+            </a:r>
+            <a:r>
+              <a:rPr lang="en-US" dirty="0"/>
+              <a:t> meg</a:t>
+            </a:r>
+          </a:p>
+          <a:p>
+            <a:r>
+              <a:rPr lang="en-US" dirty="0"/>
+              <a:t>Visitor: </a:t>
+            </a:r>
+            <a:r>
+              <a:rPr lang="hu-HU" b="0" i="0">
+                <a:solidFill>
+                  <a:srgbClr val="252525"/>
+                </a:solidFill>
+                <a:effectLst/>
+                <a:latin typeface="Roboto" panose="02000000000000000000" pitchFamily="2" charset="0"/>
+              </a:rPr>
+              <a:t>Változás nélkül határoz meg egy új műveletet egy osztályhoz</a:t>
+            </a:r>
+            <a:endParaRPr lang="hu-HU" dirty="0"/>
           </a:p>
         </p:txBody>
       </p:sp>
@@ -5607,32 +5811,149 @@
           <a:lstStyle/>
           <a:p>
             <a:r>
+              <a:rPr lang="hu-HU" dirty="0" err="1"/>
+              <a:t>Abstract</a:t>
+            </a:r>
+            <a:r>
+              <a:rPr lang="hu-HU" dirty="0"/>
+              <a:t> </a:t>
+            </a:r>
+            <a:r>
+              <a:rPr lang="hu-HU" dirty="0" err="1"/>
+              <a:t>Factory</a:t>
+            </a:r>
+            <a:r>
+              <a:rPr lang="hu-HU" dirty="0"/>
+              <a:t>: létrehoz egy példányt több osztálycsaládból</a:t>
+            </a:r>
+          </a:p>
+          <a:p>
+            <a:r>
+              <a:rPr lang="hu-HU" dirty="0" err="1"/>
+              <a:t>Builder</a:t>
+            </a:r>
+            <a:r>
+              <a:rPr lang="hu-HU" dirty="0"/>
+              <a:t>:</a:t>
+            </a:r>
+            <a:r>
               <a:rPr lang="en-US" dirty="0"/>
-              <a:t>Abstract Factory</a:t>
-            </a:r>
-          </a:p>
-          <a:p>
+              <a:t> </a:t>
+            </a:r>
+            <a:r>
+              <a:rPr lang="en-US" dirty="0" err="1"/>
+              <a:t>Több</a:t>
+            </a:r>
             <a:r>
               <a:rPr lang="en-US" dirty="0"/>
-              <a:t>Builder</a:t>
-            </a:r>
-          </a:p>
-          <a:p>
+              <a:t> </a:t>
+            </a:r>
+            <a:r>
+              <a:rPr lang="en-US" dirty="0" err="1"/>
+              <a:t>objektumból</a:t>
+            </a:r>
             <a:r>
               <a:rPr lang="en-US" dirty="0"/>
-              <a:t>Factory Method</a:t>
-            </a:r>
-          </a:p>
-          <a:p>
+              <a:t> </a:t>
+            </a:r>
+            <a:r>
+              <a:rPr lang="en-US" dirty="0" err="1"/>
+              <a:t>álló</a:t>
+            </a:r>
             <a:r>
               <a:rPr lang="en-US" dirty="0"/>
+              <a:t> </a:t>
+            </a:r>
+            <a:r>
+              <a:rPr lang="en-US" dirty="0" err="1"/>
+              <a:t>hierarchiát</a:t>
+            </a:r>
+            <a:r>
+              <a:rPr lang="en-US" dirty="0"/>
+              <a:t> </a:t>
+            </a:r>
+            <a:r>
+              <a:rPr lang="en-US" dirty="0" err="1"/>
+              <a:t>hoz</a:t>
+            </a:r>
+            <a:r>
+              <a:rPr lang="en-US" dirty="0"/>
+              <a:t> </a:t>
+            </a:r>
+            <a:r>
+              <a:rPr lang="en-US" dirty="0" err="1"/>
+              <a:t>létre</a:t>
+            </a:r>
+            <a:endParaRPr lang="hu-HU" dirty="0"/>
+          </a:p>
+          <a:p>
+            <a:r>
+              <a:rPr lang="hu-HU" dirty="0" err="1"/>
+              <a:t>Factory</a:t>
+            </a:r>
+            <a:r>
+              <a:rPr lang="hu-HU" dirty="0"/>
+              <a:t> </a:t>
+            </a:r>
+            <a:r>
+              <a:rPr lang="hu-HU" dirty="0" err="1"/>
+              <a:t>Method</a:t>
+            </a:r>
+            <a:r>
+              <a:rPr lang="en-US" dirty="0"/>
+              <a:t>: </a:t>
+            </a:r>
+            <a:r>
+              <a:rPr lang="hu-HU" b="0" i="0" dirty="0">
+                <a:solidFill>
+                  <a:srgbClr val="252525"/>
+                </a:solidFill>
+                <a:effectLst/>
+                <a:latin typeface="Roboto" panose="02000000000000000000" pitchFamily="2" charset="0"/>
+              </a:rPr>
+              <a:t>Létrehoz egy példányt több származtatott osztályból</a:t>
+            </a:r>
+            <a:endParaRPr lang="hu-HU" dirty="0"/>
+          </a:p>
+          <a:p>
+            <a:r>
+              <a:rPr lang="hu-HU" dirty="0" err="1"/>
               <a:t>Prototype</a:t>
             </a:r>
-          </a:p>
-          <a:p>
             <a:r>
               <a:rPr lang="en-US" dirty="0"/>
+              <a:t>: </a:t>
+            </a:r>
+            <a:r>
+              <a:rPr lang="hu-HU" b="0" i="0" dirty="0">
+                <a:solidFill>
+                  <a:srgbClr val="252525"/>
+                </a:solidFill>
+                <a:effectLst/>
+                <a:latin typeface="Roboto" panose="02000000000000000000" pitchFamily="2" charset="0"/>
+              </a:rPr>
+              <a:t>Teljesen inicializált példány, amelyet másolni vagy klónozni kell</a:t>
+            </a:r>
+            <a:endParaRPr lang="hu-HU" dirty="0"/>
+          </a:p>
+          <a:p>
+            <a:r>
+              <a:rPr lang="hu-HU" dirty="0" err="1"/>
               <a:t>Singleton</a:t>
+            </a:r>
+            <a:r>
+              <a:rPr lang="en-US" dirty="0"/>
+              <a:t>: </a:t>
+            </a:r>
+            <a:r>
+              <a:rPr lang="hu-HU" b="0" i="0" dirty="0">
+                <a:solidFill>
+                  <a:srgbClr val="252525"/>
+                </a:solidFill>
+                <a:effectLst/>
+                <a:latin typeface="Roboto" panose="02000000000000000000" pitchFamily="2" charset="0"/>
+              </a:rPr>
+              <a:t>Osztály, amelynek csak egyetlen példánya létezhet</a:t>
             </a:r>
             <a:endParaRPr lang="hu-HU" dirty="0"/>
           </a:p>
@@ -5742,43 +6063,181 @@
           <a:p>
             <a:r>
               <a:rPr lang="en-US" dirty="0"/>
-              <a:t>Adapter</a:t>
-            </a:r>
-          </a:p>
-          <a:p>
+              <a:t>Adapter: </a:t>
+            </a:r>
+            <a:r>
+              <a:rPr lang="en-US" dirty="0" err="1"/>
+              <a:t>Összekapcsol</a:t>
+            </a:r>
             <a:r>
               <a:rPr lang="en-US" dirty="0"/>
-              <a:t>Bridge</a:t>
-            </a:r>
-          </a:p>
-          <a:p>
+              <a:t> </a:t>
+            </a:r>
+            <a:r>
+              <a:rPr lang="en-US" dirty="0" err="1"/>
+              <a:t>két</a:t>
+            </a:r>
             <a:r>
               <a:rPr lang="en-US" dirty="0"/>
-              <a:t>Composite</a:t>
-            </a:r>
-          </a:p>
-          <a:p>
+              <a:t> </a:t>
+            </a:r>
+            <a:r>
+              <a:rPr lang="en-US" dirty="0" err="1"/>
+              <a:t>különböző</a:t>
+            </a:r>
             <a:r>
               <a:rPr lang="en-US" dirty="0"/>
-              <a:t>Decorator</a:t>
-            </a:r>
+              <a:t> </a:t>
+            </a:r>
+            <a:r>
+              <a:rPr lang="en-US" dirty="0" err="1"/>
+              <a:t>interfacet</a:t>
+            </a:r>
+            <a:endParaRPr lang="en-US" dirty="0"/>
           </a:p>
           <a:p>
             <a:r>
               <a:rPr lang="en-US" dirty="0"/>
-              <a:t>Façade</a:t>
-            </a:r>
+              <a:t>Bridge: </a:t>
+            </a:r>
+            <a:r>
+              <a:rPr lang="hu-HU" b="0" i="0" dirty="0">
+                <a:solidFill>
+                  <a:srgbClr val="252525"/>
+                </a:solidFill>
+                <a:effectLst/>
+                <a:latin typeface="Roboto" panose="02000000000000000000" pitchFamily="2" charset="0"/>
+              </a:rPr>
+              <a:t>Elválasztja az objektum felületét a megvalósítástól</a:t>
+            </a:r>
+            <a:endParaRPr lang="en-US" dirty="0"/>
           </a:p>
           <a:p>
             <a:r>
               <a:rPr lang="en-US" dirty="0"/>
-              <a:t>Flyweight</a:t>
-            </a:r>
+              <a:t>Composite: </a:t>
+            </a:r>
+            <a:r>
+              <a:rPr lang="hu-HU" b="0" i="0" dirty="0">
+                <a:solidFill>
+                  <a:srgbClr val="252525"/>
+                </a:solidFill>
+                <a:effectLst/>
+                <a:latin typeface="Roboto" panose="02000000000000000000" pitchFamily="2" charset="0"/>
+              </a:rPr>
+              <a:t>Egyszerű és összetett objektumok fastruktúrája</a:t>
+            </a:r>
+            <a:endParaRPr lang="en-US" dirty="0"/>
           </a:p>
           <a:p>
             <a:r>
               <a:rPr lang="en-US" dirty="0"/>
-              <a:t>Proxy</a:t>
+              <a:t>Decorator: </a:t>
+            </a:r>
+            <a:r>
+              <a:rPr lang="en-US" dirty="0" err="1"/>
+              <a:t>Dinamikusan</a:t>
+            </a:r>
+            <a:r>
+              <a:rPr lang="en-US" dirty="0"/>
+              <a:t> ad </a:t>
+            </a:r>
+            <a:r>
+              <a:rPr lang="en-US" dirty="0" err="1"/>
+              <a:t>felelösséget</a:t>
+            </a:r>
+            <a:r>
+              <a:rPr lang="en-US" dirty="0"/>
+              <a:t> </a:t>
+            </a:r>
+            <a:r>
+              <a:rPr lang="en-US" dirty="0" err="1"/>
+              <a:t>az</a:t>
+            </a:r>
+            <a:r>
+              <a:rPr lang="en-US" dirty="0"/>
+              <a:t> </a:t>
+            </a:r>
+            <a:r>
+              <a:rPr lang="en-US" dirty="0" err="1"/>
+              <a:t>objektumhoz</a:t>
+            </a:r>
+            <a:endParaRPr lang="en-US" dirty="0"/>
+          </a:p>
+          <a:p>
+            <a:r>
+              <a:rPr lang="en-US" dirty="0"/>
+              <a:t>Façade: </a:t>
+            </a:r>
+            <a:r>
+              <a:rPr lang="hu-HU" b="0" i="0" dirty="0">
+                <a:solidFill>
+                  <a:srgbClr val="252525"/>
+                </a:solidFill>
+                <a:effectLst/>
+                <a:latin typeface="Roboto" panose="02000000000000000000" pitchFamily="2" charset="0"/>
+              </a:rPr>
+              <a:t>Egyetlen osztály, amely egy teljes alrendszert képvisel</a:t>
+            </a:r>
+            <a:endParaRPr lang="en-US" dirty="0"/>
+          </a:p>
+          <a:p>
+            <a:r>
+              <a:rPr lang="en-US" dirty="0"/>
+              <a:t>Flyweight: </a:t>
+            </a:r>
+            <a:r>
+              <a:rPr lang="en-US" dirty="0" err="1"/>
+              <a:t>Hatékony</a:t>
+            </a:r>
+            <a:r>
+              <a:rPr lang="en-US" dirty="0"/>
+              <a:t> </a:t>
+            </a:r>
+            <a:r>
+              <a:rPr lang="en-US" dirty="0" err="1"/>
+              <a:t>megosztáshoz</a:t>
+            </a:r>
+            <a:r>
+              <a:rPr lang="en-US" dirty="0"/>
+              <a:t> </a:t>
+            </a:r>
+            <a:r>
+              <a:rPr lang="en-US" dirty="0" err="1"/>
+              <a:t>használt</a:t>
+            </a:r>
+            <a:r>
+              <a:rPr lang="en-US" dirty="0"/>
+              <a:t> </a:t>
+            </a:r>
+            <a:r>
+              <a:rPr lang="en-US" dirty="0" err="1"/>
+              <a:t>egyetlen</a:t>
+            </a:r>
+            <a:r>
+              <a:rPr lang="en-US" dirty="0"/>
+              <a:t> </a:t>
+            </a:r>
+            <a:r>
+              <a:rPr lang="en-US" dirty="0" err="1"/>
+              <a:t>példány</a:t>
+            </a:r>
+            <a:endParaRPr lang="en-US" dirty="0"/>
+          </a:p>
+          <a:p>
+            <a:r>
+              <a:rPr lang="en-US" dirty="0"/>
+              <a:t>Proxy: </a:t>
+            </a:r>
+            <a:r>
+              <a:rPr lang="hu-HU" b="0" i="0" dirty="0">
+                <a:solidFill>
+                  <a:srgbClr val="252525"/>
+                </a:solidFill>
+                <a:effectLst/>
+                <a:latin typeface="Roboto" panose="02000000000000000000" pitchFamily="2" charset="0"/>
+              </a:rPr>
+              <a:t>Egy másik objektumot képviselő objektum</a:t>
             </a:r>
             <a:endParaRPr lang="hu-HU" dirty="0"/>
           </a:p>
